--- a/deliverables/presentation.pptx
+++ b/deliverables/presentation.pptx
@@ -200,7 +200,7 @@
           <a:p>
             <a:fld id="{1EBEDD12-BCD5-485B-BCBC-34BB01D7923C}" type="datetimeFigureOut">
               <a:rPr lang="en-US" smtClean="0"/>
-              <a:t>8/26/2025</a:t>
+              <a:t>8/27/2025</a:t>
             </a:fld>
             <a:endParaRPr lang="en-US" dirty="0"/>
           </a:p>
@@ -414,7 +414,7 @@
           <a:p>
             <a:fld id="{6EE7A52F-9D89-7442-A8E9-48D1527B5F6B}" type="datetimeFigureOut">
               <a:rPr lang="en-US" smtClean="0"/>
-              <a:t>8/26/2025</a:t>
+              <a:t>8/27/2025</a:t>
             </a:fld>
             <a:endParaRPr lang="en-US" dirty="0"/>
           </a:p>
@@ -9480,41 +9480,6 @@
           </a:p>
         </p:txBody>
       </p:sp>
-      <p:pic>
-        <p:nvPicPr>
-          <p:cNvPr id="12" name="Content Placeholder 11" descr="A drawing of a long rectangular object&#10;&#10;AI-generated content may be incorrect.">
-            <a:extLst>
-              <a:ext uri="{FF2B5EF4-FFF2-40B4-BE49-F238E27FC236}">
-                <a16:creationId xmlns:a16="http://schemas.microsoft.com/office/drawing/2014/main" id="{6AF017F2-DBDB-B808-0B37-F032074E1857}"/>
-              </a:ext>
-            </a:extLst>
-          </p:cNvPr>
-          <p:cNvPicPr>
-            <a:picLocks noGrp="1" noChangeAspect="1"/>
-          </p:cNvPicPr>
-          <p:nvPr>
-            <p:ph sz="quarter" idx="16"/>
-          </p:nvPr>
-        </p:nvPicPr>
-        <p:blipFill>
-          <a:blip r:embed="rId2">
-            <a:extLst>
-              <a:ext uri="{28A0092B-C50C-407E-A947-70E740481C1C}">
-                <a14:useLocalDpi xmlns:a14="http://schemas.microsoft.com/office/drawing/2010/main" val="0"/>
-              </a:ext>
-            </a:extLst>
-          </a:blip>
-          <a:stretch>
-            <a:fillRect/>
-          </a:stretch>
-        </p:blipFill>
-        <p:spPr>
-          <a:xfrm>
-            <a:off x="7106815" y="1653608"/>
-            <a:ext cx="2562053" cy="4926263"/>
-          </a:xfrm>
-        </p:spPr>
-      </p:pic>
       <p:sp>
         <p:nvSpPr>
           <p:cNvPr id="10" name="Content Placeholder 9">
@@ -9596,6 +9561,41 @@
           </a:p>
         </p:txBody>
       </p:sp>
+      <p:pic>
+        <p:nvPicPr>
+          <p:cNvPr id="6" name="Content Placeholder 5" descr="A drawing of a long rectangular object&#10;&#10;AI-generated content may be incorrect.">
+            <a:extLst>
+              <a:ext uri="{FF2B5EF4-FFF2-40B4-BE49-F238E27FC236}">
+                <a16:creationId xmlns:a16="http://schemas.microsoft.com/office/drawing/2014/main" id="{07C0D8DE-0BA3-A971-B90B-FF872041E044}"/>
+              </a:ext>
+            </a:extLst>
+          </p:cNvPr>
+          <p:cNvPicPr>
+            <a:picLocks noGrp="1" noChangeAspect="1"/>
+          </p:cNvPicPr>
+          <p:nvPr>
+            <p:ph sz="quarter" idx="16"/>
+          </p:nvPr>
+        </p:nvPicPr>
+        <p:blipFill>
+          <a:blip r:embed="rId2">
+            <a:extLst>
+              <a:ext uri="{28A0092B-C50C-407E-A947-70E740481C1C}">
+                <a14:useLocalDpi xmlns:a14="http://schemas.microsoft.com/office/drawing/2010/main" val="0"/>
+              </a:ext>
+            </a:extLst>
+          </a:blip>
+          <a:stretch>
+            <a:fillRect/>
+          </a:stretch>
+        </p:blipFill>
+        <p:spPr>
+          <a:xfrm>
+            <a:off x="6817682" y="1199246"/>
+            <a:ext cx="3413900" cy="5538683"/>
+          </a:xfrm>
+        </p:spPr>
+      </p:pic>
     </p:spTree>
     <p:extLst>
       <p:ext uri="{BB962C8B-B14F-4D97-AF65-F5344CB8AC3E}">
@@ -10415,8 +10415,13 @@
             </a:pPr>
             <a:r>
               <a:rPr lang="en-US" dirty="0"/>
-              <a:t>Camera calibration and geometric transformations</a:t>
-            </a:r>
+              <a:t>Camera calibration and </a:t>
+            </a:r>
+            <a:r>
+              <a:rPr lang="en-US"/>
+              <a:t>geometric calculations</a:t>
+            </a:r>
+            <a:endParaRPr lang="en-US" dirty="0"/>
           </a:p>
           <a:p>
             <a:r>
@@ -11724,41 +11729,6 @@
           </a:p>
         </p:txBody>
       </p:sp>
-      <p:pic>
-        <p:nvPicPr>
-          <p:cNvPr id="6" name="Content Placeholder 5" descr="A screenshot of a graph&#10;&#10;AI-generated content may be incorrect.">
-            <a:extLst>
-              <a:ext uri="{FF2B5EF4-FFF2-40B4-BE49-F238E27FC236}">
-                <a16:creationId xmlns:a16="http://schemas.microsoft.com/office/drawing/2014/main" id="{91841047-0E3B-668B-F594-53F0BC118DFC}"/>
-              </a:ext>
-            </a:extLst>
-          </p:cNvPr>
-          <p:cNvPicPr>
-            <a:picLocks noGrp="1" noChangeAspect="1"/>
-          </p:cNvPicPr>
-          <p:nvPr>
-            <p:ph sz="quarter" idx="15"/>
-          </p:nvPr>
-        </p:nvPicPr>
-        <p:blipFill>
-          <a:blip r:embed="rId2">
-            <a:extLst>
-              <a:ext uri="{28A0092B-C50C-407E-A947-70E740481C1C}">
-                <a14:useLocalDpi xmlns:a14="http://schemas.microsoft.com/office/drawing/2010/main" val="0"/>
-              </a:ext>
-            </a:extLst>
-          </a:blip>
-          <a:stretch>
-            <a:fillRect/>
-          </a:stretch>
-        </p:blipFill>
-        <p:spPr>
-          <a:xfrm>
-            <a:off x="1460269" y="2597727"/>
-            <a:ext cx="3296852" cy="3975217"/>
-          </a:xfrm>
-        </p:spPr>
-      </p:pic>
       <p:sp>
         <p:nvSpPr>
           <p:cNvPr id="4" name="Content Placeholder 3">
@@ -11810,6 +11780,41 @@
           </a:p>
         </p:txBody>
       </p:sp>
+      <p:pic>
+        <p:nvPicPr>
+          <p:cNvPr id="8" name="Content Placeholder 7" descr="A graph of a line&#10;&#10;AI-generated content may be incorrect.">
+            <a:extLst>
+              <a:ext uri="{FF2B5EF4-FFF2-40B4-BE49-F238E27FC236}">
+                <a16:creationId xmlns:a16="http://schemas.microsoft.com/office/drawing/2014/main" id="{52479A41-AE19-63C6-03BF-05220613EEA9}"/>
+              </a:ext>
+            </a:extLst>
+          </p:cNvPr>
+          <p:cNvPicPr>
+            <a:picLocks noGrp="1" noChangeAspect="1"/>
+          </p:cNvPicPr>
+          <p:nvPr>
+            <p:ph sz="quarter" idx="15"/>
+          </p:nvPr>
+        </p:nvPicPr>
+        <p:blipFill>
+          <a:blip r:embed="rId2">
+            <a:extLst>
+              <a:ext uri="{28A0092B-C50C-407E-A947-70E740481C1C}">
+                <a14:useLocalDpi xmlns:a14="http://schemas.microsoft.com/office/drawing/2010/main" val="0"/>
+              </a:ext>
+            </a:extLst>
+          </a:blip>
+          <a:stretch>
+            <a:fillRect/>
+          </a:stretch>
+        </p:blipFill>
+        <p:spPr>
+          <a:xfrm>
+            <a:off x="1169324" y="2223875"/>
+            <a:ext cx="3340331" cy="4462423"/>
+          </a:xfrm>
+        </p:spPr>
+      </p:pic>
     </p:spTree>
     <p:extLst>
       <p:ext uri="{BB962C8B-B14F-4D97-AF65-F5344CB8AC3E}">

--- a/deliverables/presentation.pptx
+++ b/deliverables/presentation.pptx
@@ -200,7 +200,7 @@
           <a:p>
             <a:fld id="{1EBEDD12-BCD5-485B-BCBC-34BB01D7923C}" type="datetimeFigureOut">
               <a:rPr lang="en-US" smtClean="0"/>
-              <a:t>8/27/2025</a:t>
+              <a:t>8/28/2025</a:t>
             </a:fld>
             <a:endParaRPr lang="en-US" dirty="0"/>
           </a:p>
@@ -414,7 +414,7 @@
           <a:p>
             <a:fld id="{6EE7A52F-9D89-7442-A8E9-48D1527B5F6B}" type="datetimeFigureOut">
               <a:rPr lang="en-US" smtClean="0"/>
-              <a:t>8/27/2025</a:t>
+              <a:t>8/28/2025</a:t>
             </a:fld>
             <a:endParaRPr lang="en-US" dirty="0"/>
           </a:p>
@@ -11140,7 +11140,13 @@
             </a:pPr>
             <a:r>
               <a:rPr lang="en-US" dirty="0"/>
-              <a:t>Outputs: Calibration matrix (</a:t>
+              <a:t>Method: Corner detection on a 9×6 checkerboard and subsequent reprojection error minimization</a:t>
+            </a:r>
+          </a:p>
+          <a:p>
+            <a:r>
+              <a:rPr lang="en-US" dirty="0"/>
+              <a:t>Output: Calibration matrix </a:t>
             </a:r>
             <a:r>
               <a:rPr lang="en-US" b="1" dirty="0"/>
@@ -11148,22 +11154,13 @@
             </a:r>
             <a:r>
               <a:rPr lang="en-US" dirty="0"/>
-              <a:t>) and distortion vector </a:t>
+              <a:t> and distortion vector </a:t>
             </a:r>
             <a:r>
               <a:rPr lang="en-US" b="1" dirty="0"/>
               <a:t>D</a:t>
             </a:r>
-          </a:p>
-          <a:p>
-            <a:pPr marL="342900" indent="-342900">
-              <a:buFont typeface="Arial" panose="020B0604020202020204" pitchFamily="34" charset="0"/>
-              <a:buChar char="•"/>
-            </a:pPr>
-            <a:r>
-              <a:rPr lang="en-US" dirty="0"/>
-              <a:t>Method: Corner detection on a 9×6 checkerboard and subsequent reprojection error minimization</a:t>
-            </a:r>
+            <a:endParaRPr lang="en-US" dirty="0"/>
           </a:p>
           <a:p>
             <a:r>
@@ -11196,7 +11193,13 @@
             </a:pPr>
             <a:r>
               <a:rPr lang="en-US" dirty="0"/>
-              <a:t>Outputs: Rotation matrix </a:t>
+              <a:t>Method: Manual lane corners detection and Perspective-n-Points algorithm with IPPE solver to project these points in world coordinates</a:t>
+            </a:r>
+          </a:p>
+          <a:p>
+            <a:r>
+              <a:rPr lang="en-US" dirty="0"/>
+              <a:t>Output: Rotation matrix </a:t>
             </a:r>
             <a:r>
               <a:rPr lang="en-US" b="1" dirty="0"/>
@@ -11225,16 +11228,6 @@
             <a:r>
               <a:rPr lang="en-US" b="1" dirty="0"/>
               <a:t>]</a:t>
-            </a:r>
-          </a:p>
-          <a:p>
-            <a:pPr marL="342900" indent="-342900">
-              <a:buFont typeface="Arial" panose="020B0604020202020204" pitchFamily="34" charset="0"/>
-              <a:buChar char="•"/>
-            </a:pPr>
-            <a:r>
-              <a:rPr lang="en-US" dirty="0"/>
-              <a:t>Method: Manual lane corners detection and Perspective-n-Points algorithm with IPPE solver to project these points in world coordinates</a:t>
             </a:r>
           </a:p>
         </p:txBody>
@@ -11390,18 +11383,13 @@
             </a:pPr>
             <a:r>
               <a:rPr lang="en-US" dirty="0"/>
-              <a:t>Outputs: two frame-aligned videos with same sample rate</a:t>
-            </a:r>
-            <a:endParaRPr lang="en-US" b="1" dirty="0"/>
-          </a:p>
-          <a:p>
-            <a:pPr marL="342900" indent="-342900">
-              <a:buFont typeface="Arial" panose="020B0604020202020204" pitchFamily="34" charset="0"/>
-              <a:buChar char="•"/>
-            </a:pPr>
+              <a:t>Method: Cross-correlation of audio tracks to compute time offset and resampling </a:t>
+            </a:r>
+          </a:p>
+          <a:p>
             <a:r>
               <a:rPr lang="en-US" dirty="0"/>
-              <a:t>Method: Cross-correlation of audio tracks to compute time offset and resampling </a:t>
+              <a:t>Outputs: Two frame-aligned videos with same sample rate</a:t>
             </a:r>
           </a:p>
           <a:p>
@@ -11444,22 +11432,20 @@
             </a:pPr>
             <a:r>
               <a:rPr lang="en-US" dirty="0"/>
-              <a:t>Outputs: Geometrically correct video frames</a:t>
-            </a:r>
-          </a:p>
-          <a:p>
-            <a:pPr marL="342900" indent="-342900">
-              <a:buFont typeface="Arial" panose="020B0604020202020204" pitchFamily="34" charset="0"/>
-              <a:buChar char="•"/>
-            </a:pPr>
-            <a:r>
-              <a:rPr lang="en-US" dirty="0"/>
               <a:t>Method: Apply intrinsic calibration with pixel-wise correction and re-computation of </a:t>
             </a:r>
             <a:r>
               <a:rPr lang="en-US" b="1" dirty="0"/>
               <a:t>K</a:t>
             </a:r>
+          </a:p>
+          <a:p>
+            <a:r>
+              <a:rPr lang="en-US" dirty="0"/>
+              <a:t>Output: Geometrically correct video frames</a:t>
+            </a:r>
+          </a:p>
+          <a:p>
             <a:endParaRPr lang="en-US" dirty="0"/>
           </a:p>
         </p:txBody>
@@ -12620,15 +12606,6 @@
 </file>
 
 <file path=customXml/item1.xml><?xml version="1.0" encoding="utf-8"?>
-<?mso-contentType ?>
-<FormTemplates xmlns="http://schemas.microsoft.com/sharepoint/v3/contenttype/forms">
-  <Display>DocumentLibraryForm</Display>
-  <Edit>DocumentLibraryForm</Edit>
-  <New>DocumentLibraryForm</New>
-</FormTemplates>
-</file>
-
-<file path=customXml/item2.xml><?xml version="1.0" encoding="utf-8"?>
 <ct:contentTypeSchema xmlns:ct="http://schemas.microsoft.com/office/2006/metadata/contentType" xmlns:ma="http://schemas.microsoft.com/office/2006/metadata/properties/metaAttributes" ct:_="" ma:_="" ma:contentTypeName="Document" ma:contentTypeID="0x01010079F111ED35F8CC479449609E8A0923A6" ma:contentTypeVersion="28" ma:contentTypeDescription="Create a new document." ma:contentTypeScope="" ma:versionID="60f5a4f2d2b0abadcf532d48ebf9cb71">
   <xsd:schema xmlns:xsd="http://www.w3.org/2001/XMLSchema" xmlns:xs="http://www.w3.org/2001/XMLSchema" xmlns:p="http://schemas.microsoft.com/office/2006/metadata/properties" xmlns:ns1="http://schemas.microsoft.com/sharepoint/v3" xmlns:ns2="71af3243-3dd4-4a8d-8c0d-dd76da1f02a5" xmlns:ns3="16c05727-aa75-4e4a-9b5f-8a80a1165891" xmlns:ns4="230e9df3-be65-4c73-a93b-d1236ebd677e" targetNamespace="http://schemas.microsoft.com/office/2006/metadata/properties" ma:root="true" ma:fieldsID="7dd78129e6a1811f84807ad11c651531" ns1:_="" ns2:_="" ns3:_="" ns4:_="">
     <xsd:import namespace="http://schemas.microsoft.com/sharepoint/v3"/>
@@ -12940,6 +12917,15 @@
 </ct:contentTypeSchema>
 </file>
 
+<file path=customXml/item2.xml><?xml version="1.0" encoding="utf-8"?>
+<?mso-contentType ?>
+<FormTemplates xmlns="http://schemas.microsoft.com/sharepoint/v3/contenttype/forms">
+  <Display>DocumentLibraryForm</Display>
+  <Edit>DocumentLibraryForm</Edit>
+  <New>DocumentLibraryForm</New>
+</FormTemplates>
+</file>
+
 <file path=customXml/item3.xml><?xml version="1.0" encoding="utf-8"?>
 <p:properties xmlns:p="http://schemas.microsoft.com/office/2006/metadata/properties" xmlns:xsi="http://www.w3.org/2001/XMLSchema-instance" xmlns:pc="http://schemas.microsoft.com/office/infopath/2007/PartnerControls">
   <documentManagement>
@@ -12961,14 +12947,6 @@
 </file>
 
 <file path=customXml/itemProps1.xml><?xml version="1.0" encoding="utf-8"?>
-<ds:datastoreItem xmlns:ds="http://schemas.openxmlformats.org/officeDocument/2006/customXml" ds:itemID="{C21FFAC0-05A2-416A-B06C-C248395482CF}">
-  <ds:schemaRefs>
-    <ds:schemaRef ds:uri="http://schemas.microsoft.com/sharepoint/v3/contenttype/forms"/>
-  </ds:schemaRefs>
-</ds:datastoreItem>
-</file>
-
-<file path=customXml/itemProps2.xml><?xml version="1.0" encoding="utf-8"?>
 <ds:datastoreItem xmlns:ds="http://schemas.openxmlformats.org/officeDocument/2006/customXml" ds:itemID="{92DB9E12-8AC3-4138-BF4D-720A5525AB10}">
   <ds:schemaRefs>
     <ds:schemaRef ds:uri="http://schemas.microsoft.com/office/2006/metadata/contentType"/>
@@ -12989,6 +12967,14 @@
 </ds:datastoreItem>
 </file>
 
+<file path=customXml/itemProps2.xml><?xml version="1.0" encoding="utf-8"?>
+<ds:datastoreItem xmlns:ds="http://schemas.openxmlformats.org/officeDocument/2006/customXml" ds:itemID="{C21FFAC0-05A2-416A-B06C-C248395482CF}">
+  <ds:schemaRefs>
+    <ds:schemaRef ds:uri="http://schemas.microsoft.com/sharepoint/v3/contenttype/forms"/>
+  </ds:schemaRefs>
+</ds:datastoreItem>
+</file>
+
 <file path=customXml/itemProps3.xml><?xml version="1.0" encoding="utf-8"?>
 <ds:datastoreItem xmlns:ds="http://schemas.openxmlformats.org/officeDocument/2006/customXml" ds:itemID="{4F4B194E-8B30-4377-8C59-ECFB902D2A26}">
   <ds:schemaRefs>
